--- a/Recitations/Section_07/2017-09-12.pptx
+++ b/Recitations/Section_07/2017-09-12.pptx
@@ -232,7 +232,7 @@
           <a:p>
             <a:fld id="{4F94BA20-9715-4D2E-8625-2E4AC11A28A6}" type="datetimeFigureOut">
               <a:rPr lang="zh-CN" altLang="en-US" smtClean="0"/>
-              <a:t>2017/9/12</a:t>
+              <a:t>2017/9/26</a:t>
             </a:fld>
             <a:endParaRPr lang="zh-CN" altLang="en-US"/>
           </a:p>
@@ -1525,7 +1525,7 @@
           <a:p>
             <a:fld id="{41573D92-568F-48BB-A1DA-30CAC5D57A92}" type="datetimeFigureOut">
               <a:rPr lang="zh-CN" altLang="en-US" smtClean="0"/>
-              <a:t>2017/9/12</a:t>
+              <a:t>2017/9/26</a:t>
             </a:fld>
             <a:endParaRPr lang="zh-CN" altLang="en-US"/>
           </a:p>
@@ -1693,7 +1693,7 @@
           <a:p>
             <a:fld id="{41573D92-568F-48BB-A1DA-30CAC5D57A92}" type="datetimeFigureOut">
               <a:rPr lang="zh-CN" altLang="en-US" smtClean="0"/>
-              <a:t>2017/9/12</a:t>
+              <a:t>2017/9/26</a:t>
             </a:fld>
             <a:endParaRPr lang="zh-CN" altLang="en-US"/>
           </a:p>
@@ -1871,7 +1871,7 @@
           <a:p>
             <a:fld id="{41573D92-568F-48BB-A1DA-30CAC5D57A92}" type="datetimeFigureOut">
               <a:rPr lang="zh-CN" altLang="en-US" smtClean="0"/>
-              <a:t>2017/9/12</a:t>
+              <a:t>2017/9/26</a:t>
             </a:fld>
             <a:endParaRPr lang="zh-CN" altLang="en-US"/>
           </a:p>
@@ -2039,7 +2039,7 @@
           <a:p>
             <a:fld id="{41573D92-568F-48BB-A1DA-30CAC5D57A92}" type="datetimeFigureOut">
               <a:rPr lang="zh-CN" altLang="en-US" smtClean="0"/>
-              <a:t>2017/9/12</a:t>
+              <a:t>2017/9/26</a:t>
             </a:fld>
             <a:endParaRPr lang="zh-CN" altLang="en-US"/>
           </a:p>
@@ -2284,7 +2284,7 @@
           <a:p>
             <a:fld id="{41573D92-568F-48BB-A1DA-30CAC5D57A92}" type="datetimeFigureOut">
               <a:rPr lang="zh-CN" altLang="en-US" smtClean="0"/>
-              <a:t>2017/9/12</a:t>
+              <a:t>2017/9/26</a:t>
             </a:fld>
             <a:endParaRPr lang="zh-CN" altLang="en-US"/>
           </a:p>
@@ -2513,7 +2513,7 @@
           <a:p>
             <a:fld id="{41573D92-568F-48BB-A1DA-30CAC5D57A92}" type="datetimeFigureOut">
               <a:rPr lang="zh-CN" altLang="en-US" smtClean="0"/>
-              <a:t>2017/9/12</a:t>
+              <a:t>2017/9/26</a:t>
             </a:fld>
             <a:endParaRPr lang="zh-CN" altLang="en-US"/>
           </a:p>
@@ -2877,7 +2877,7 @@
           <a:p>
             <a:fld id="{41573D92-568F-48BB-A1DA-30CAC5D57A92}" type="datetimeFigureOut">
               <a:rPr lang="zh-CN" altLang="en-US" smtClean="0"/>
-              <a:t>2017/9/12</a:t>
+              <a:t>2017/9/26</a:t>
             </a:fld>
             <a:endParaRPr lang="zh-CN" altLang="en-US"/>
           </a:p>
@@ -2994,7 +2994,7 @@
           <a:p>
             <a:fld id="{41573D92-568F-48BB-A1DA-30CAC5D57A92}" type="datetimeFigureOut">
               <a:rPr lang="zh-CN" altLang="en-US" smtClean="0"/>
-              <a:t>2017/9/12</a:t>
+              <a:t>2017/9/26</a:t>
             </a:fld>
             <a:endParaRPr lang="zh-CN" altLang="en-US"/>
           </a:p>
@@ -3089,7 +3089,7 @@
           <a:p>
             <a:fld id="{41573D92-568F-48BB-A1DA-30CAC5D57A92}" type="datetimeFigureOut">
               <a:rPr lang="zh-CN" altLang="en-US" smtClean="0"/>
-              <a:t>2017/9/12</a:t>
+              <a:t>2017/9/26</a:t>
             </a:fld>
             <a:endParaRPr lang="zh-CN" altLang="en-US"/>
           </a:p>
@@ -3364,7 +3364,7 @@
           <a:p>
             <a:fld id="{41573D92-568F-48BB-A1DA-30CAC5D57A92}" type="datetimeFigureOut">
               <a:rPr lang="zh-CN" altLang="en-US" smtClean="0"/>
-              <a:t>2017/9/12</a:t>
+              <a:t>2017/9/26</a:t>
             </a:fld>
             <a:endParaRPr lang="zh-CN" altLang="en-US"/>
           </a:p>
@@ -3616,7 +3616,7 @@
           <a:p>
             <a:fld id="{41573D92-568F-48BB-A1DA-30CAC5D57A92}" type="datetimeFigureOut">
               <a:rPr lang="zh-CN" altLang="en-US" smtClean="0"/>
-              <a:t>2017/9/12</a:t>
+              <a:t>2017/9/26</a:t>
             </a:fld>
             <a:endParaRPr lang="zh-CN" altLang="en-US"/>
           </a:p>
@@ -3827,7 +3827,7 @@
           <a:p>
             <a:fld id="{41573D92-568F-48BB-A1DA-30CAC5D57A92}" type="datetimeFigureOut">
               <a:rPr lang="zh-CN" altLang="en-US" smtClean="0"/>
-              <a:t>2017/9/12</a:t>
+              <a:t>2017/9/26</a:t>
             </a:fld>
             <a:endParaRPr lang="zh-CN" altLang="en-US"/>
           </a:p>

--- a/Recitations/Section_07/2017-09-12.pptx
+++ b/Recitations/Section_07/2017-09-12.pptx
@@ -232,7 +232,7 @@
           <a:p>
             <a:fld id="{4F94BA20-9715-4D2E-8625-2E4AC11A28A6}" type="datetimeFigureOut">
               <a:rPr lang="zh-CN" altLang="en-US" smtClean="0"/>
-              <a:t>2017/9/26</a:t>
+              <a:t>2017/9/12</a:t>
             </a:fld>
             <a:endParaRPr lang="zh-CN" altLang="en-US"/>
           </a:p>
@@ -1525,7 +1525,7 @@
           <a:p>
             <a:fld id="{41573D92-568F-48BB-A1DA-30CAC5D57A92}" type="datetimeFigureOut">
               <a:rPr lang="zh-CN" altLang="en-US" smtClean="0"/>
-              <a:t>2017/9/26</a:t>
+              <a:t>2017/9/12</a:t>
             </a:fld>
             <a:endParaRPr lang="zh-CN" altLang="en-US"/>
           </a:p>
@@ -1693,7 +1693,7 @@
           <a:p>
             <a:fld id="{41573D92-568F-48BB-A1DA-30CAC5D57A92}" type="datetimeFigureOut">
               <a:rPr lang="zh-CN" altLang="en-US" smtClean="0"/>
-              <a:t>2017/9/26</a:t>
+              <a:t>2017/9/12</a:t>
             </a:fld>
             <a:endParaRPr lang="zh-CN" altLang="en-US"/>
           </a:p>
@@ -1871,7 +1871,7 @@
           <a:p>
             <a:fld id="{41573D92-568F-48BB-A1DA-30CAC5D57A92}" type="datetimeFigureOut">
               <a:rPr lang="zh-CN" altLang="en-US" smtClean="0"/>
-              <a:t>2017/9/26</a:t>
+              <a:t>2017/9/12</a:t>
             </a:fld>
             <a:endParaRPr lang="zh-CN" altLang="en-US"/>
           </a:p>
@@ -2039,7 +2039,7 @@
           <a:p>
             <a:fld id="{41573D92-568F-48BB-A1DA-30CAC5D57A92}" type="datetimeFigureOut">
               <a:rPr lang="zh-CN" altLang="en-US" smtClean="0"/>
-              <a:t>2017/9/26</a:t>
+              <a:t>2017/9/12</a:t>
             </a:fld>
             <a:endParaRPr lang="zh-CN" altLang="en-US"/>
           </a:p>
@@ -2284,7 +2284,7 @@
           <a:p>
             <a:fld id="{41573D92-568F-48BB-A1DA-30CAC5D57A92}" type="datetimeFigureOut">
               <a:rPr lang="zh-CN" altLang="en-US" smtClean="0"/>
-              <a:t>2017/9/26</a:t>
+              <a:t>2017/9/12</a:t>
             </a:fld>
             <a:endParaRPr lang="zh-CN" altLang="en-US"/>
           </a:p>
@@ -2513,7 +2513,7 @@
           <a:p>
             <a:fld id="{41573D92-568F-48BB-A1DA-30CAC5D57A92}" type="datetimeFigureOut">
               <a:rPr lang="zh-CN" altLang="en-US" smtClean="0"/>
-              <a:t>2017/9/26</a:t>
+              <a:t>2017/9/12</a:t>
             </a:fld>
             <a:endParaRPr lang="zh-CN" altLang="en-US"/>
           </a:p>
@@ -2877,7 +2877,7 @@
           <a:p>
             <a:fld id="{41573D92-568F-48BB-A1DA-30CAC5D57A92}" type="datetimeFigureOut">
               <a:rPr lang="zh-CN" altLang="en-US" smtClean="0"/>
-              <a:t>2017/9/26</a:t>
+              <a:t>2017/9/12</a:t>
             </a:fld>
             <a:endParaRPr lang="zh-CN" altLang="en-US"/>
           </a:p>
@@ -2994,7 +2994,7 @@
           <a:p>
             <a:fld id="{41573D92-568F-48BB-A1DA-30CAC5D57A92}" type="datetimeFigureOut">
               <a:rPr lang="zh-CN" altLang="en-US" smtClean="0"/>
-              <a:t>2017/9/26</a:t>
+              <a:t>2017/9/12</a:t>
             </a:fld>
             <a:endParaRPr lang="zh-CN" altLang="en-US"/>
           </a:p>
@@ -3089,7 +3089,7 @@
           <a:p>
             <a:fld id="{41573D92-568F-48BB-A1DA-30CAC5D57A92}" type="datetimeFigureOut">
               <a:rPr lang="zh-CN" altLang="en-US" smtClean="0"/>
-              <a:t>2017/9/26</a:t>
+              <a:t>2017/9/12</a:t>
             </a:fld>
             <a:endParaRPr lang="zh-CN" altLang="en-US"/>
           </a:p>
@@ -3364,7 +3364,7 @@
           <a:p>
             <a:fld id="{41573D92-568F-48BB-A1DA-30CAC5D57A92}" type="datetimeFigureOut">
               <a:rPr lang="zh-CN" altLang="en-US" smtClean="0"/>
-              <a:t>2017/9/26</a:t>
+              <a:t>2017/9/12</a:t>
             </a:fld>
             <a:endParaRPr lang="zh-CN" altLang="en-US"/>
           </a:p>
@@ -3616,7 +3616,7 @@
           <a:p>
             <a:fld id="{41573D92-568F-48BB-A1DA-30CAC5D57A92}" type="datetimeFigureOut">
               <a:rPr lang="zh-CN" altLang="en-US" smtClean="0"/>
-              <a:t>2017/9/26</a:t>
+              <a:t>2017/9/12</a:t>
             </a:fld>
             <a:endParaRPr lang="zh-CN" altLang="en-US"/>
           </a:p>
@@ -3827,7 +3827,7 @@
           <a:p>
             <a:fld id="{41573D92-568F-48BB-A1DA-30CAC5D57A92}" type="datetimeFigureOut">
               <a:rPr lang="zh-CN" altLang="en-US" smtClean="0"/>
-              <a:t>2017/9/26</a:t>
+              <a:t>2017/9/12</a:t>
             </a:fld>
             <a:endParaRPr lang="zh-CN" altLang="en-US"/>
           </a:p>
